--- a/images/instructions2.pptx
+++ b/images/instructions2.pptx
@@ -121,6 +121,22 @@
       </a:defRPr>
     </a:lvl9pPr>
   </p:defaultTextStyle>
+  <p:extLst>
+    <p:ext uri="{EFAFB233-063F-42B5-8137-9DF3F51BA10A}">
+      <p15:sldGuideLst xmlns:p15="http://schemas.microsoft.com/office/powerpoint/2012/main">
+        <p15:guide id="1" orient="horz" pos="2880">
+          <p15:clr>
+            <a:srgbClr val="A4A3A4"/>
+          </p15:clr>
+        </p15:guide>
+        <p15:guide id="2" pos="2160">
+          <p15:clr>
+            <a:srgbClr val="A4A3A4"/>
+          </p15:clr>
+        </p15:guide>
+      </p15:sldGuideLst>
+    </p:ext>
+  </p:extLst>
 </p:presentation>
 </file>
 
@@ -206,7 +222,7 @@
           <a:p>
             <a:fld id="{9CB7A3C7-1FF0-7B4F-93A6-B8106D3D1CDA}" type="datetimeFigureOut">
               <a:rPr lang="en-US" smtClean="0"/>
-              <a:t>4/4/19</a:t>
+              <a:t>9/12/21</a:t>
             </a:fld>
             <a:endParaRPr lang="en-US"/>
           </a:p>
@@ -270,38 +286,37 @@
           <a:p>
             <a:pPr lvl="0"/>
             <a:r>
-              <a:rPr lang="en-US" smtClean="0"/>
+              <a:rPr lang="en-US"/>
               <a:t>Click to edit Master text styles</a:t>
             </a:r>
           </a:p>
           <a:p>
             <a:pPr lvl="1"/>
             <a:r>
-              <a:rPr lang="en-US" smtClean="0"/>
+              <a:rPr lang="en-US"/>
               <a:t>Second level</a:t>
             </a:r>
           </a:p>
           <a:p>
             <a:pPr lvl="2"/>
             <a:r>
-              <a:rPr lang="en-US" smtClean="0"/>
+              <a:rPr lang="en-US"/>
               <a:t>Third level</a:t>
             </a:r>
           </a:p>
           <a:p>
             <a:pPr lvl="3"/>
             <a:r>
-              <a:rPr lang="en-US" smtClean="0"/>
+              <a:rPr lang="en-US"/>
               <a:t>Fourth level</a:t>
             </a:r>
           </a:p>
           <a:p>
             <a:pPr lvl="4"/>
             <a:r>
-              <a:rPr lang="en-US" smtClean="0"/>
+              <a:rPr lang="en-US"/>
               <a:t>Fifth level</a:t>
             </a:r>
-            <a:endParaRPr lang="en-US"/>
           </a:p>
         </p:txBody>
       </p:sp>
@@ -848,10 +863,9 @@
           <a:lstStyle/>
           <a:p>
             <a:r>
-              <a:rPr lang="en-US" smtClean="0"/>
+              <a:rPr lang="en-US"/>
               <a:t>Click to edit Master title style</a:t>
             </a:r>
-            <a:endParaRPr lang="en-US"/>
           </a:p>
         </p:txBody>
       </p:sp>
@@ -967,10 +981,9 @@
           </a:lstStyle>
           <a:p>
             <a:r>
-              <a:rPr lang="en-US" smtClean="0"/>
+              <a:rPr lang="en-US"/>
               <a:t>Click to edit Master subtitle style</a:t>
             </a:r>
-            <a:endParaRPr lang="en-US"/>
           </a:p>
         </p:txBody>
       </p:sp>
@@ -991,7 +1004,7 @@
           <a:p>
             <a:fld id="{7CEB15B9-5F67-DF43-860E-5CAE714369E1}" type="datetimeFigureOut">
               <a:rPr lang="en-US" smtClean="0"/>
-              <a:t>4/4/19</a:t>
+              <a:t>9/12/21</a:t>
             </a:fld>
             <a:endParaRPr lang="en-US"/>
           </a:p>
@@ -1085,10 +1098,9 @@
           <a:lstStyle/>
           <a:p>
             <a:r>
-              <a:rPr lang="en-US" smtClean="0"/>
+              <a:rPr lang="en-US"/>
               <a:t>Click to edit Master title style</a:t>
             </a:r>
-            <a:endParaRPr lang="en-US"/>
           </a:p>
         </p:txBody>
       </p:sp>
@@ -1109,38 +1121,37 @@
           <a:p>
             <a:pPr lvl="0"/>
             <a:r>
-              <a:rPr lang="en-US" smtClean="0"/>
+              <a:rPr lang="en-US"/>
               <a:t>Click to edit Master text styles</a:t>
             </a:r>
           </a:p>
           <a:p>
             <a:pPr lvl="1"/>
             <a:r>
-              <a:rPr lang="en-US" smtClean="0"/>
+              <a:rPr lang="en-US"/>
               <a:t>Second level</a:t>
             </a:r>
           </a:p>
           <a:p>
             <a:pPr lvl="2"/>
             <a:r>
-              <a:rPr lang="en-US" smtClean="0"/>
+              <a:rPr lang="en-US"/>
               <a:t>Third level</a:t>
             </a:r>
           </a:p>
           <a:p>
             <a:pPr lvl="3"/>
             <a:r>
-              <a:rPr lang="en-US" smtClean="0"/>
+              <a:rPr lang="en-US"/>
               <a:t>Fourth level</a:t>
             </a:r>
           </a:p>
           <a:p>
             <a:pPr lvl="4"/>
             <a:r>
-              <a:rPr lang="en-US" smtClean="0"/>
+              <a:rPr lang="en-US"/>
               <a:t>Fifth level</a:t>
             </a:r>
-            <a:endParaRPr lang="en-US"/>
           </a:p>
         </p:txBody>
       </p:sp>
@@ -1161,7 +1172,7 @@
           <a:p>
             <a:fld id="{7CEB15B9-5F67-DF43-860E-5CAE714369E1}" type="datetimeFigureOut">
               <a:rPr lang="en-US" smtClean="0"/>
-              <a:t>4/4/19</a:t>
+              <a:t>9/12/21</a:t>
             </a:fld>
             <a:endParaRPr lang="en-US"/>
           </a:p>
@@ -1260,10 +1271,9 @@
           <a:lstStyle/>
           <a:p>
             <a:r>
-              <a:rPr lang="en-US" smtClean="0"/>
+              <a:rPr lang="en-US"/>
               <a:t>Click to edit Master title style</a:t>
             </a:r>
-            <a:endParaRPr lang="en-US"/>
           </a:p>
         </p:txBody>
       </p:sp>
@@ -1289,38 +1299,37 @@
           <a:p>
             <a:pPr lvl="0"/>
             <a:r>
-              <a:rPr lang="en-US" smtClean="0"/>
+              <a:rPr lang="en-US"/>
               <a:t>Click to edit Master text styles</a:t>
             </a:r>
           </a:p>
           <a:p>
             <a:pPr lvl="1"/>
             <a:r>
-              <a:rPr lang="en-US" smtClean="0"/>
+              <a:rPr lang="en-US"/>
               <a:t>Second level</a:t>
             </a:r>
           </a:p>
           <a:p>
             <a:pPr lvl="2"/>
             <a:r>
-              <a:rPr lang="en-US" smtClean="0"/>
+              <a:rPr lang="en-US"/>
               <a:t>Third level</a:t>
             </a:r>
           </a:p>
           <a:p>
             <a:pPr lvl="3"/>
             <a:r>
-              <a:rPr lang="en-US" smtClean="0"/>
+              <a:rPr lang="en-US"/>
               <a:t>Fourth level</a:t>
             </a:r>
           </a:p>
           <a:p>
             <a:pPr lvl="4"/>
             <a:r>
-              <a:rPr lang="en-US" smtClean="0"/>
+              <a:rPr lang="en-US"/>
               <a:t>Fifth level</a:t>
             </a:r>
-            <a:endParaRPr lang="en-US"/>
           </a:p>
         </p:txBody>
       </p:sp>
@@ -1341,7 +1350,7 @@
           <a:p>
             <a:fld id="{7CEB15B9-5F67-DF43-860E-5CAE714369E1}" type="datetimeFigureOut">
               <a:rPr lang="en-US" smtClean="0"/>
-              <a:t>4/4/19</a:t>
+              <a:t>9/12/21</a:t>
             </a:fld>
             <a:endParaRPr lang="en-US"/>
           </a:p>
@@ -1435,10 +1444,9 @@
           <a:lstStyle/>
           <a:p>
             <a:r>
-              <a:rPr lang="en-US" smtClean="0"/>
+              <a:rPr lang="en-US"/>
               <a:t>Click to edit Master title style</a:t>
             </a:r>
-            <a:endParaRPr lang="en-US"/>
           </a:p>
         </p:txBody>
       </p:sp>
@@ -1459,38 +1467,37 @@
           <a:p>
             <a:pPr lvl="0"/>
             <a:r>
-              <a:rPr lang="en-US" smtClean="0"/>
+              <a:rPr lang="en-US"/>
               <a:t>Click to edit Master text styles</a:t>
             </a:r>
           </a:p>
           <a:p>
             <a:pPr lvl="1"/>
             <a:r>
-              <a:rPr lang="en-US" smtClean="0"/>
+              <a:rPr lang="en-US"/>
               <a:t>Second level</a:t>
             </a:r>
           </a:p>
           <a:p>
             <a:pPr lvl="2"/>
             <a:r>
-              <a:rPr lang="en-US" smtClean="0"/>
+              <a:rPr lang="en-US"/>
               <a:t>Third level</a:t>
             </a:r>
           </a:p>
           <a:p>
             <a:pPr lvl="3"/>
             <a:r>
-              <a:rPr lang="en-US" smtClean="0"/>
+              <a:rPr lang="en-US"/>
               <a:t>Fourth level</a:t>
             </a:r>
           </a:p>
           <a:p>
             <a:pPr lvl="4"/>
             <a:r>
-              <a:rPr lang="en-US" smtClean="0"/>
+              <a:rPr lang="en-US"/>
               <a:t>Fifth level</a:t>
             </a:r>
-            <a:endParaRPr lang="en-US"/>
           </a:p>
         </p:txBody>
       </p:sp>
@@ -1511,7 +1518,7 @@
           <a:p>
             <a:fld id="{7CEB15B9-5F67-DF43-860E-5CAE714369E1}" type="datetimeFigureOut">
               <a:rPr lang="en-US" smtClean="0"/>
-              <a:t>4/4/19</a:t>
+              <a:t>9/12/21</a:t>
             </a:fld>
             <a:endParaRPr lang="en-US"/>
           </a:p>
@@ -1614,10 +1621,9 @@
           </a:lstStyle>
           <a:p>
             <a:r>
-              <a:rPr lang="en-US" smtClean="0"/>
+              <a:rPr lang="en-US"/>
               <a:t>Click to edit Master title style</a:t>
             </a:r>
-            <a:endParaRPr lang="en-US"/>
           </a:p>
         </p:txBody>
       </p:sp>
@@ -1734,7 +1740,7 @@
           <a:p>
             <a:pPr lvl="0"/>
             <a:r>
-              <a:rPr lang="en-US" smtClean="0"/>
+              <a:rPr lang="en-US"/>
               <a:t>Click to edit Master text styles</a:t>
             </a:r>
           </a:p>
@@ -1757,7 +1763,7 @@
           <a:p>
             <a:fld id="{7CEB15B9-5F67-DF43-860E-5CAE714369E1}" type="datetimeFigureOut">
               <a:rPr lang="en-US" smtClean="0"/>
-              <a:t>4/4/19</a:t>
+              <a:t>9/12/21</a:t>
             </a:fld>
             <a:endParaRPr lang="en-US"/>
           </a:p>
@@ -1851,10 +1857,9 @@
           <a:lstStyle/>
           <a:p>
             <a:r>
-              <a:rPr lang="en-US" smtClean="0"/>
+              <a:rPr lang="en-US"/>
               <a:t>Click to edit Master title style</a:t>
             </a:r>
-            <a:endParaRPr lang="en-US"/>
           </a:p>
         </p:txBody>
       </p:sp>
@@ -1908,38 +1913,37 @@
           <a:p>
             <a:pPr lvl="0"/>
             <a:r>
-              <a:rPr lang="en-US" smtClean="0"/>
+              <a:rPr lang="en-US"/>
               <a:t>Click to edit Master text styles</a:t>
             </a:r>
           </a:p>
           <a:p>
             <a:pPr lvl="1"/>
             <a:r>
-              <a:rPr lang="en-US" smtClean="0"/>
+              <a:rPr lang="en-US"/>
               <a:t>Second level</a:t>
             </a:r>
           </a:p>
           <a:p>
             <a:pPr lvl="2"/>
             <a:r>
-              <a:rPr lang="en-US" smtClean="0"/>
+              <a:rPr lang="en-US"/>
               <a:t>Third level</a:t>
             </a:r>
           </a:p>
           <a:p>
             <a:pPr lvl="3"/>
             <a:r>
-              <a:rPr lang="en-US" smtClean="0"/>
+              <a:rPr lang="en-US"/>
               <a:t>Fourth level</a:t>
             </a:r>
           </a:p>
           <a:p>
             <a:pPr lvl="4"/>
             <a:r>
-              <a:rPr lang="en-US" smtClean="0"/>
+              <a:rPr lang="en-US"/>
               <a:t>Fifth level</a:t>
             </a:r>
-            <a:endParaRPr lang="en-US"/>
           </a:p>
         </p:txBody>
       </p:sp>
@@ -1993,38 +1997,37 @@
           <a:p>
             <a:pPr lvl="0"/>
             <a:r>
-              <a:rPr lang="en-US" smtClean="0"/>
+              <a:rPr lang="en-US"/>
               <a:t>Click to edit Master text styles</a:t>
             </a:r>
           </a:p>
           <a:p>
             <a:pPr lvl="1"/>
             <a:r>
-              <a:rPr lang="en-US" smtClean="0"/>
+              <a:rPr lang="en-US"/>
               <a:t>Second level</a:t>
             </a:r>
           </a:p>
           <a:p>
             <a:pPr lvl="2"/>
             <a:r>
-              <a:rPr lang="en-US" smtClean="0"/>
+              <a:rPr lang="en-US"/>
               <a:t>Third level</a:t>
             </a:r>
           </a:p>
           <a:p>
             <a:pPr lvl="3"/>
             <a:r>
-              <a:rPr lang="en-US" smtClean="0"/>
+              <a:rPr lang="en-US"/>
               <a:t>Fourth level</a:t>
             </a:r>
           </a:p>
           <a:p>
             <a:pPr lvl="4"/>
             <a:r>
-              <a:rPr lang="en-US" smtClean="0"/>
+              <a:rPr lang="en-US"/>
               <a:t>Fifth level</a:t>
             </a:r>
-            <a:endParaRPr lang="en-US"/>
           </a:p>
         </p:txBody>
       </p:sp>
@@ -2045,7 +2048,7 @@
           <a:p>
             <a:fld id="{7CEB15B9-5F67-DF43-860E-5CAE714369E1}" type="datetimeFigureOut">
               <a:rPr lang="en-US" smtClean="0"/>
-              <a:t>4/4/19</a:t>
+              <a:t>9/12/21</a:t>
             </a:fld>
             <a:endParaRPr lang="en-US"/>
           </a:p>
@@ -2143,10 +2146,9 @@
           </a:lstStyle>
           <a:p>
             <a:r>
-              <a:rPr lang="en-US" smtClean="0"/>
+              <a:rPr lang="en-US"/>
               <a:t>Click to edit Master title style</a:t>
             </a:r>
-            <a:endParaRPr lang="en-US"/>
           </a:p>
         </p:txBody>
       </p:sp>
@@ -2209,7 +2211,7 @@
           <a:p>
             <a:pPr lvl="0"/>
             <a:r>
-              <a:rPr lang="en-US" smtClean="0"/>
+              <a:rPr lang="en-US"/>
               <a:t>Click to edit Master text styles</a:t>
             </a:r>
           </a:p>
@@ -2265,38 +2267,37 @@
           <a:p>
             <a:pPr lvl="0"/>
             <a:r>
-              <a:rPr lang="en-US" smtClean="0"/>
+              <a:rPr lang="en-US"/>
               <a:t>Click to edit Master text styles</a:t>
             </a:r>
           </a:p>
           <a:p>
             <a:pPr lvl="1"/>
             <a:r>
-              <a:rPr lang="en-US" smtClean="0"/>
+              <a:rPr lang="en-US"/>
               <a:t>Second level</a:t>
             </a:r>
           </a:p>
           <a:p>
             <a:pPr lvl="2"/>
             <a:r>
-              <a:rPr lang="en-US" smtClean="0"/>
+              <a:rPr lang="en-US"/>
               <a:t>Third level</a:t>
             </a:r>
           </a:p>
           <a:p>
             <a:pPr lvl="3"/>
             <a:r>
-              <a:rPr lang="en-US" smtClean="0"/>
+              <a:rPr lang="en-US"/>
               <a:t>Fourth level</a:t>
             </a:r>
           </a:p>
           <a:p>
             <a:pPr lvl="4"/>
             <a:r>
-              <a:rPr lang="en-US" smtClean="0"/>
+              <a:rPr lang="en-US"/>
               <a:t>Fifth level</a:t>
             </a:r>
-            <a:endParaRPr lang="en-US"/>
           </a:p>
         </p:txBody>
       </p:sp>
@@ -2359,7 +2360,7 @@
           <a:p>
             <a:pPr lvl="0"/>
             <a:r>
-              <a:rPr lang="en-US" smtClean="0"/>
+              <a:rPr lang="en-US"/>
               <a:t>Click to edit Master text styles</a:t>
             </a:r>
           </a:p>
@@ -2415,38 +2416,37 @@
           <a:p>
             <a:pPr lvl="0"/>
             <a:r>
-              <a:rPr lang="en-US" smtClean="0"/>
+              <a:rPr lang="en-US"/>
               <a:t>Click to edit Master text styles</a:t>
             </a:r>
           </a:p>
           <a:p>
             <a:pPr lvl="1"/>
             <a:r>
-              <a:rPr lang="en-US" smtClean="0"/>
+              <a:rPr lang="en-US"/>
               <a:t>Second level</a:t>
             </a:r>
           </a:p>
           <a:p>
             <a:pPr lvl="2"/>
             <a:r>
-              <a:rPr lang="en-US" smtClean="0"/>
+              <a:rPr lang="en-US"/>
               <a:t>Third level</a:t>
             </a:r>
           </a:p>
           <a:p>
             <a:pPr lvl="3"/>
             <a:r>
-              <a:rPr lang="en-US" smtClean="0"/>
+              <a:rPr lang="en-US"/>
               <a:t>Fourth level</a:t>
             </a:r>
           </a:p>
           <a:p>
             <a:pPr lvl="4"/>
             <a:r>
-              <a:rPr lang="en-US" smtClean="0"/>
+              <a:rPr lang="en-US"/>
               <a:t>Fifth level</a:t>
             </a:r>
-            <a:endParaRPr lang="en-US"/>
           </a:p>
         </p:txBody>
       </p:sp>
@@ -2467,7 +2467,7 @@
           <a:p>
             <a:fld id="{7CEB15B9-5F67-DF43-860E-5CAE714369E1}" type="datetimeFigureOut">
               <a:rPr lang="en-US" smtClean="0"/>
-              <a:t>4/4/19</a:t>
+              <a:t>9/12/21</a:t>
             </a:fld>
             <a:endParaRPr lang="en-US"/>
           </a:p>
@@ -2561,10 +2561,9 @@
           <a:lstStyle/>
           <a:p>
             <a:r>
-              <a:rPr lang="en-US" smtClean="0"/>
+              <a:rPr lang="en-US"/>
               <a:t>Click to edit Master title style</a:t>
             </a:r>
-            <a:endParaRPr lang="en-US"/>
           </a:p>
         </p:txBody>
       </p:sp>
@@ -2585,7 +2584,7 @@
           <a:p>
             <a:fld id="{7CEB15B9-5F67-DF43-860E-5CAE714369E1}" type="datetimeFigureOut">
               <a:rPr lang="en-US" smtClean="0"/>
-              <a:t>4/4/19</a:t>
+              <a:t>9/12/21</a:t>
             </a:fld>
             <a:endParaRPr lang="en-US"/>
           </a:p>
@@ -2680,7 +2679,7 @@
           <a:p>
             <a:fld id="{7CEB15B9-5F67-DF43-860E-5CAE714369E1}" type="datetimeFigureOut">
               <a:rPr lang="en-US" smtClean="0"/>
-              <a:t>4/4/19</a:t>
+              <a:t>9/12/21</a:t>
             </a:fld>
             <a:endParaRPr lang="en-US"/>
           </a:p>
@@ -2783,10 +2782,9 @@
           </a:lstStyle>
           <a:p>
             <a:r>
-              <a:rPr lang="en-US" smtClean="0"/>
+              <a:rPr lang="en-US"/>
               <a:t>Click to edit Master title style</a:t>
             </a:r>
-            <a:endParaRPr lang="en-US"/>
           </a:p>
         </p:txBody>
       </p:sp>
@@ -2840,38 +2838,37 @@
           <a:p>
             <a:pPr lvl="0"/>
             <a:r>
-              <a:rPr lang="en-US" smtClean="0"/>
+              <a:rPr lang="en-US"/>
               <a:t>Click to edit Master text styles</a:t>
             </a:r>
           </a:p>
           <a:p>
             <a:pPr lvl="1"/>
             <a:r>
-              <a:rPr lang="en-US" smtClean="0"/>
+              <a:rPr lang="en-US"/>
               <a:t>Second level</a:t>
             </a:r>
           </a:p>
           <a:p>
             <a:pPr lvl="2"/>
             <a:r>
-              <a:rPr lang="en-US" smtClean="0"/>
+              <a:rPr lang="en-US"/>
               <a:t>Third level</a:t>
             </a:r>
           </a:p>
           <a:p>
             <a:pPr lvl="3"/>
             <a:r>
-              <a:rPr lang="en-US" smtClean="0"/>
+              <a:rPr lang="en-US"/>
               <a:t>Fourth level</a:t>
             </a:r>
           </a:p>
           <a:p>
             <a:pPr lvl="4"/>
             <a:r>
-              <a:rPr lang="en-US" smtClean="0"/>
+              <a:rPr lang="en-US"/>
               <a:t>Fifth level</a:t>
             </a:r>
-            <a:endParaRPr lang="en-US"/>
           </a:p>
         </p:txBody>
       </p:sp>
@@ -2934,7 +2931,7 @@
           <a:p>
             <a:pPr lvl="0"/>
             <a:r>
-              <a:rPr lang="en-US" smtClean="0"/>
+              <a:rPr lang="en-US"/>
               <a:t>Click to edit Master text styles</a:t>
             </a:r>
           </a:p>
@@ -2957,7 +2954,7 @@
           <a:p>
             <a:fld id="{7CEB15B9-5F67-DF43-860E-5CAE714369E1}" type="datetimeFigureOut">
               <a:rPr lang="en-US" smtClean="0"/>
-              <a:t>4/4/19</a:t>
+              <a:t>9/12/21</a:t>
             </a:fld>
             <a:endParaRPr lang="en-US"/>
           </a:p>
@@ -3060,10 +3057,9 @@
           </a:lstStyle>
           <a:p>
             <a:r>
-              <a:rPr lang="en-US" smtClean="0"/>
+              <a:rPr lang="en-US"/>
               <a:t>Click to edit Master title style</a:t>
             </a:r>
-            <a:endParaRPr lang="en-US"/>
           </a:p>
         </p:txBody>
       </p:sp>
@@ -3187,7 +3183,7 @@
           <a:p>
             <a:pPr lvl="0"/>
             <a:r>
-              <a:rPr lang="en-US" smtClean="0"/>
+              <a:rPr lang="en-US"/>
               <a:t>Click to edit Master text styles</a:t>
             </a:r>
           </a:p>
@@ -3210,7 +3206,7 @@
           <a:p>
             <a:fld id="{7CEB15B9-5F67-DF43-860E-5CAE714369E1}" type="datetimeFigureOut">
               <a:rPr lang="en-US" smtClean="0"/>
-              <a:t>4/4/19</a:t>
+              <a:t>9/12/21</a:t>
             </a:fld>
             <a:endParaRPr lang="en-US"/>
           </a:p>
@@ -3319,10 +3315,9 @@
           <a:lstStyle/>
           <a:p>
             <a:r>
-              <a:rPr lang="en-US" smtClean="0"/>
+              <a:rPr lang="en-US"/>
               <a:t>Click to edit Master title style</a:t>
             </a:r>
-            <a:endParaRPr lang="en-US"/>
           </a:p>
         </p:txBody>
       </p:sp>
@@ -3353,38 +3348,37 @@
           <a:p>
             <a:pPr lvl="0"/>
             <a:r>
-              <a:rPr lang="en-US" smtClean="0"/>
+              <a:rPr lang="en-US"/>
               <a:t>Click to edit Master text styles</a:t>
             </a:r>
           </a:p>
           <a:p>
             <a:pPr lvl="1"/>
             <a:r>
-              <a:rPr lang="en-US" smtClean="0"/>
+              <a:rPr lang="en-US"/>
               <a:t>Second level</a:t>
             </a:r>
           </a:p>
           <a:p>
             <a:pPr lvl="2"/>
             <a:r>
-              <a:rPr lang="en-US" smtClean="0"/>
+              <a:rPr lang="en-US"/>
               <a:t>Third level</a:t>
             </a:r>
           </a:p>
           <a:p>
             <a:pPr lvl="3"/>
             <a:r>
-              <a:rPr lang="en-US" smtClean="0"/>
+              <a:rPr lang="en-US"/>
               <a:t>Fourth level</a:t>
             </a:r>
           </a:p>
           <a:p>
             <a:pPr lvl="4"/>
             <a:r>
-              <a:rPr lang="en-US" smtClean="0"/>
+              <a:rPr lang="en-US"/>
               <a:t>Fifth level</a:t>
             </a:r>
-            <a:endParaRPr lang="en-US"/>
           </a:p>
         </p:txBody>
       </p:sp>
@@ -3423,7 +3417,7 @@
           <a:p>
             <a:fld id="{7CEB15B9-5F67-DF43-860E-5CAE714369E1}" type="datetimeFigureOut">
               <a:rPr lang="en-US" smtClean="0"/>
-              <a:t>4/4/19</a:t>
+              <a:t>9/12/21</a:t>
             </a:fld>
             <a:endParaRPr lang="en-US"/>
           </a:p>
@@ -3902,7 +3896,7 @@
           <a:p>
             <a:pPr algn="ctr"/>
             <a:r>
-              <a:rPr lang="en-US" sz="8000" b="1" cap="all" dirty="0" smtClean="0">
+              <a:rPr lang="en-US" sz="8000" b="1" cap="all" dirty="0">
                 <a:ln w="9000" cmpd="sng">
                   <a:solidFill>
                     <a:schemeClr val="accent4">
@@ -3961,7 +3955,7 @@
           <a:p>
             <a:pPr algn="ctr"/>
             <a:r>
-              <a:rPr lang="en-US" sz="8000" b="1" cap="all" dirty="0" smtClean="0">
+              <a:rPr lang="en-US" sz="8000" b="1" cap="all" dirty="0">
                 <a:ln w="9000" cmpd="sng">
                   <a:solidFill>
                     <a:schemeClr val="accent4">
@@ -4015,58 +4009,6 @@
               </a:rPr>
               <a:t>TREASURE</a:t>
             </a:r>
-            <a:endParaRPr lang="en-US" sz="8000" b="1" cap="all" dirty="0">
-              <a:ln w="9000" cmpd="sng">
-                <a:solidFill>
-                  <a:schemeClr val="accent4">
-                    <a:shade val="50000"/>
-                    <a:satMod val="120000"/>
-                  </a:schemeClr>
-                </a:solidFill>
-                <a:prstDash val="solid"/>
-              </a:ln>
-              <a:gradFill>
-                <a:gsLst>
-                  <a:gs pos="0">
-                    <a:schemeClr val="accent4">
-                      <a:shade val="20000"/>
-                      <a:satMod val="245000"/>
-                    </a:schemeClr>
-                  </a:gs>
-                  <a:gs pos="43000">
-                    <a:schemeClr val="accent4">
-                      <a:satMod val="255000"/>
-                    </a:schemeClr>
-                  </a:gs>
-                  <a:gs pos="48000">
-                    <a:schemeClr val="accent4">
-                      <a:shade val="85000"/>
-                      <a:satMod val="255000"/>
-                    </a:schemeClr>
-                  </a:gs>
-                  <a:gs pos="100000">
-                    <a:schemeClr val="accent4">
-                      <a:shade val="20000"/>
-                      <a:satMod val="245000"/>
-                    </a:schemeClr>
-                  </a:gs>
-                </a:gsLst>
-                <a:lin ang="5400000"/>
-              </a:gradFill>
-              <a:effectLst>
-                <a:glow rad="228600">
-                  <a:schemeClr val="accent4">
-                    <a:satMod val="175000"/>
-                    <a:alpha val="40000"/>
-                  </a:schemeClr>
-                </a:glow>
-                <a:outerShdw blurRad="50800" dist="38100" dir="2700000" algn="tl" rotWithShape="0">
-                  <a:prstClr val="black">
-                    <a:alpha val="40000"/>
-                  </a:prstClr>
-                </a:outerShdw>
-              </a:effectLst>
-            </a:endParaRPr>
           </a:p>
         </p:txBody>
       </p:sp>
@@ -4406,13 +4348,6 @@
   <p:clrMapOvr>
     <a:masterClrMapping/>
   </p:clrMapOvr>
-  <p:timing>
-    <p:tnLst>
-      <p:par>
-        <p:cTn xmlns:p14="http://schemas.microsoft.com/office/powerpoint/2010/main" id="1" dur="indefinite" restart="never" nodeType="tmRoot"/>
-      </p:par>
-    </p:tnLst>
-  </p:timing>
 </p:sld>
 </file>
 
@@ -4607,13 +4542,16 @@
           <a:p>
             <a:pPr algn="ctr"/>
             <a:r>
-              <a:rPr lang="en-US" sz="4000" b="1" dirty="0" smtClean="0">
+              <a:rPr lang="en-US" sz="4000" b="1" dirty="0">
                 <a:solidFill>
                   <a:srgbClr val="FFFFFF"/>
                 </a:solidFill>
               </a:rPr>
               <a:t>Which planet does the yellow portal usually go to?</a:t>
             </a:r>
+          </a:p>
+          <a:p>
+            <a:pPr algn="ctr"/>
             <a:endParaRPr lang="en-US" sz="4000" b="1" dirty="0">
               <a:solidFill>
                 <a:srgbClr val="FFFFFF"/>
@@ -4622,7 +4560,7 @@
           </a:p>
           <a:p>
             <a:pPr algn="ctr"/>
-            <a:endParaRPr lang="en-US" sz="4000" b="1" dirty="0" smtClean="0">
+            <a:endParaRPr lang="en-US" sz="4000" b="1" dirty="0">
               <a:solidFill>
                 <a:srgbClr val="FFFFFF"/>
               </a:solidFill>
@@ -4630,15 +4568,7 @@
           </a:p>
           <a:p>
             <a:pPr algn="ctr"/>
-            <a:endParaRPr lang="en-US" sz="4000" b="1" dirty="0" smtClean="0">
-              <a:solidFill>
-                <a:srgbClr val="FFFFFF"/>
-              </a:solidFill>
-            </a:endParaRPr>
-          </a:p>
-          <a:p>
-            <a:pPr algn="ctr"/>
-            <a:endParaRPr lang="en-US" sz="4000" b="1" dirty="0" smtClean="0">
+            <a:endParaRPr lang="en-US" sz="4000" b="1" dirty="0">
               <a:solidFill>
                 <a:srgbClr val="FFFFFF"/>
               </a:solidFill>
@@ -4656,13 +4586,6 @@
   <p:clrMapOvr>
     <a:masterClrMapping/>
   </p:clrMapOvr>
-  <p:timing>
-    <p:tnLst>
-      <p:par>
-        <p:cTn xmlns:p14="http://schemas.microsoft.com/office/powerpoint/2010/main" id="1" dur="indefinite" restart="never" nodeType="tmRoot"/>
-      </p:par>
-    </p:tnLst>
-  </p:timing>
 </p:sld>
 </file>
 
@@ -4827,30 +4750,25 @@
           <a:p>
             <a:pPr algn="ctr"/>
             <a:r>
-              <a:rPr lang="en-US" sz="4000" b="1" dirty="0" smtClean="0">
+              <a:rPr lang="en-US" sz="4000" b="1" dirty="0">
                 <a:solidFill>
                   <a:srgbClr val="FFFFFF"/>
                 </a:solidFill>
               </a:rPr>
               <a:t>Which planet does the green portal usually go to?</a:t>
             </a:r>
-            <a:endParaRPr lang="en-US" sz="4000" b="1" dirty="0">
-              <a:solidFill>
-                <a:srgbClr val="FFFFFF"/>
-              </a:solidFill>
-            </a:endParaRPr>
           </a:p>
           <a:p>
             <a:pPr algn="ctr"/>
-            <a:endParaRPr lang="en-US" sz="4000" b="1" dirty="0" smtClean="0"/>
+            <a:endParaRPr lang="en-US" sz="4000" b="1" dirty="0"/>
           </a:p>
           <a:p>
             <a:pPr algn="ctr"/>
-            <a:endParaRPr lang="en-US" sz="4000" b="1" dirty="0" smtClean="0"/>
+            <a:endParaRPr lang="en-US" sz="4000" b="1" dirty="0"/>
           </a:p>
           <a:p>
             <a:pPr algn="ctr"/>
-            <a:endParaRPr lang="en-US" sz="4000" b="1" dirty="0" smtClean="0"/>
+            <a:endParaRPr lang="en-US" sz="4000" b="1" dirty="0"/>
           </a:p>
         </p:txBody>
       </p:sp>
@@ -4894,13 +4812,6 @@
   <p:clrMapOvr>
     <a:masterClrMapping/>
   </p:clrMapOvr>
-  <p:timing>
-    <p:tnLst>
-      <p:par>
-        <p:cTn xmlns:p14="http://schemas.microsoft.com/office/powerpoint/2010/main" id="1" dur="indefinite" restart="never" nodeType="tmRoot"/>
-      </p:par>
-    </p:tnLst>
-  </p:timing>
 </p:sld>
 </file>
 
@@ -5005,26 +4916,21 @@
           <a:p>
             <a:pPr algn="ctr"/>
             <a:r>
-              <a:rPr lang="en-US" sz="4000" b="1" dirty="0" smtClean="0">
+              <a:rPr lang="en-US" sz="4000" b="1" dirty="0">
                 <a:solidFill>
                   <a:srgbClr val="FFFFFF"/>
                 </a:solidFill>
               </a:rPr>
               <a:t>If you wanted to go to this planet, which portal would you choose?</a:t>
             </a:r>
-            <a:endParaRPr lang="en-US" sz="4000" b="1" dirty="0">
-              <a:solidFill>
-                <a:srgbClr val="FFFFFF"/>
-              </a:solidFill>
-            </a:endParaRPr>
           </a:p>
           <a:p>
             <a:pPr algn="ctr"/>
-            <a:endParaRPr lang="en-US" sz="4000" b="1" dirty="0" smtClean="0"/>
+            <a:endParaRPr lang="en-US" sz="4000" b="1" dirty="0"/>
           </a:p>
           <a:p>
             <a:pPr algn="ctr"/>
-            <a:endParaRPr lang="en-US" sz="4000" b="1" dirty="0" smtClean="0"/>
+            <a:endParaRPr lang="en-US" sz="4000" b="1" dirty="0"/>
           </a:p>
         </p:txBody>
       </p:sp>
@@ -5038,13 +4944,6 @@
   <p:clrMapOvr>
     <a:masterClrMapping/>
   </p:clrMapOvr>
-  <p:timing>
-    <p:tnLst>
-      <p:par>
-        <p:cTn xmlns:p14="http://schemas.microsoft.com/office/powerpoint/2010/main" id="1" dur="indefinite" restart="never" nodeType="tmRoot"/>
-      </p:par>
-    </p:tnLst>
-  </p:timing>
 </p:sld>
 </file>
 
@@ -5119,13 +5018,16 @@
           <a:p>
             <a:pPr algn="ctr"/>
             <a:r>
-              <a:rPr lang="en-US" sz="4000" b="1" dirty="0" smtClean="0">
+              <a:rPr lang="en-US" sz="4000" b="1" dirty="0">
                 <a:solidFill>
                   <a:srgbClr val="FFFFFF"/>
                 </a:solidFill>
               </a:rPr>
               <a:t>If you wanted to go to this planet, which portal would you choose?</a:t>
             </a:r>
+          </a:p>
+          <a:p>
+            <a:pPr algn="ctr"/>
             <a:endParaRPr lang="en-US" sz="4000" b="1" dirty="0">
               <a:solidFill>
                 <a:srgbClr val="FFFFFF"/>
@@ -5134,15 +5036,7 @@
           </a:p>
           <a:p>
             <a:pPr algn="ctr"/>
-            <a:endParaRPr lang="en-US" sz="4000" b="1" dirty="0" smtClean="0">
-              <a:solidFill>
-                <a:srgbClr val="FFFFFF"/>
-              </a:solidFill>
-            </a:endParaRPr>
-          </a:p>
-          <a:p>
-            <a:pPr algn="ctr"/>
-            <a:endParaRPr lang="en-US" sz="4000" b="1" dirty="0" smtClean="0">
+            <a:endParaRPr lang="en-US" sz="4000" b="1" dirty="0">
               <a:solidFill>
                 <a:srgbClr val="FFFFFF"/>
               </a:solidFill>
@@ -5190,13 +5084,6 @@
   <p:clrMapOvr>
     <a:masterClrMapping/>
   </p:clrMapOvr>
-  <p:timing>
-    <p:tnLst>
-      <p:par>
-        <p:cTn xmlns:p14="http://schemas.microsoft.com/office/powerpoint/2010/main" id="1" dur="indefinite" restart="never" nodeType="tmRoot"/>
-      </p:par>
-    </p:tnLst>
-  </p:timing>
 </p:sld>
 </file>
 
@@ -5271,7 +5158,7 @@
           <a:p>
             <a:pPr algn="ctr"/>
             <a:r>
-              <a:rPr lang="en-US" sz="4000" b="1" dirty="0" smtClean="0">
+              <a:rPr lang="en-US" sz="4000" b="1" dirty="0">
                 <a:solidFill>
                   <a:srgbClr val="FFFFFF"/>
                 </a:solidFill>
@@ -5281,7 +5168,7 @@
           </a:p>
           <a:p>
             <a:pPr algn="ctr"/>
-            <a:endParaRPr lang="en-US" sz="4000" b="1" dirty="0" smtClean="0">
+            <a:endParaRPr lang="en-US" sz="4000" b="1" dirty="0">
               <a:solidFill>
                 <a:srgbClr val="FFFFFF"/>
               </a:solidFill>
@@ -5289,7 +5176,7 @@
           </a:p>
           <a:p>
             <a:pPr algn="ctr"/>
-            <a:endParaRPr lang="en-US" sz="4000" b="1" dirty="0" smtClean="0">
+            <a:endParaRPr lang="en-US" sz="4000" b="1" dirty="0">
               <a:solidFill>
                 <a:srgbClr val="FFFFFF"/>
               </a:solidFill>
@@ -5350,18 +5237,13 @@
           <a:lstStyle/>
           <a:p>
             <a:r>
-              <a:rPr lang="en-US" sz="2800" dirty="0" smtClean="0">
+              <a:rPr lang="en-US" sz="2800" dirty="0">
                 <a:solidFill>
                   <a:schemeClr val="bg1"/>
                 </a:solidFill>
               </a:rPr>
               <a:t>(Choose with arrow keys)</a:t>
             </a:r>
-            <a:endParaRPr lang="en-US" sz="2800" dirty="0">
-              <a:solidFill>
-                <a:schemeClr val="bg1"/>
-              </a:solidFill>
-            </a:endParaRPr>
           </a:p>
         </p:txBody>
       </p:sp>
@@ -5566,18 +5448,13 @@
           <a:lstStyle/>
           <a:p>
             <a:r>
-              <a:rPr lang="en-US" sz="2400" b="1" dirty="0" smtClean="0">
+              <a:rPr lang="en-US" sz="2400" b="1" dirty="0">
                 <a:solidFill>
                   <a:srgbClr val="FFFFFF"/>
                 </a:solidFill>
               </a:rPr>
               <a:t>STRAIGHT</a:t>
             </a:r>
-            <a:endParaRPr lang="en-US" sz="2400" b="1" dirty="0">
-              <a:solidFill>
-                <a:srgbClr val="FFFFFF"/>
-              </a:solidFill>
-            </a:endParaRPr>
           </a:p>
         </p:txBody>
       </p:sp>
@@ -5604,18 +5481,13 @@
           <a:lstStyle/>
           <a:p>
             <a:r>
-              <a:rPr lang="en-US" sz="2400" b="1" dirty="0" smtClean="0">
+              <a:rPr lang="en-US" sz="2400" b="1" dirty="0">
                 <a:solidFill>
                   <a:srgbClr val="FFFFFF"/>
                 </a:solidFill>
               </a:rPr>
               <a:t>SLANTED</a:t>
             </a:r>
-            <a:endParaRPr lang="en-US" sz="2400" b="1" dirty="0">
-              <a:solidFill>
-                <a:srgbClr val="FFFFFF"/>
-              </a:solidFill>
-            </a:endParaRPr>
           </a:p>
         </p:txBody>
       </p:sp>
@@ -5629,13 +5501,6 @@
   <p:clrMapOvr>
     <a:masterClrMapping/>
   </p:clrMapOvr>
-  <p:timing>
-    <p:tnLst>
-      <p:par>
-        <p:cTn xmlns:p14="http://schemas.microsoft.com/office/powerpoint/2010/main" id="1" dur="indefinite" restart="never" nodeType="tmRoot"/>
-      </p:par>
-    </p:tnLst>
-  </p:timing>
 </p:sld>
 </file>
 
@@ -5760,7 +5625,7 @@
           <a:p>
             <a:pPr algn="ctr"/>
             <a:r>
-              <a:rPr lang="en-US" sz="8000" b="1" cap="all" dirty="0" smtClean="0">
+              <a:rPr lang="en-US" sz="8000" b="1" cap="all" dirty="0">
                 <a:ln w="9000" cmpd="sng">
                   <a:solidFill>
                     <a:schemeClr val="accent4">
@@ -5818,7 +5683,7 @@
           <a:p>
             <a:pPr algn="ctr"/>
             <a:r>
-              <a:rPr lang="en-US" sz="8000" b="1" cap="all" dirty="0" smtClean="0">
+              <a:rPr lang="en-US" sz="8000" b="1" cap="all" dirty="0">
                 <a:ln w="9000" cmpd="sng">
                   <a:solidFill>
                     <a:schemeClr val="accent4">
@@ -5872,58 +5737,6 @@
               </a:rPr>
               <a:t>Complete!</a:t>
             </a:r>
-            <a:endParaRPr lang="en-US" sz="8000" b="1" cap="all" dirty="0">
-              <a:ln w="9000" cmpd="sng">
-                <a:solidFill>
-                  <a:schemeClr val="accent4">
-                    <a:shade val="50000"/>
-                    <a:satMod val="120000"/>
-                  </a:schemeClr>
-                </a:solidFill>
-                <a:prstDash val="solid"/>
-              </a:ln>
-              <a:gradFill>
-                <a:gsLst>
-                  <a:gs pos="0">
-                    <a:schemeClr val="accent4">
-                      <a:shade val="20000"/>
-                      <a:satMod val="245000"/>
-                    </a:schemeClr>
-                  </a:gs>
-                  <a:gs pos="43000">
-                    <a:schemeClr val="accent4">
-                      <a:satMod val="255000"/>
-                    </a:schemeClr>
-                  </a:gs>
-                  <a:gs pos="48000">
-                    <a:schemeClr val="accent4">
-                      <a:shade val="85000"/>
-                      <a:satMod val="255000"/>
-                    </a:schemeClr>
-                  </a:gs>
-                  <a:gs pos="100000">
-                    <a:schemeClr val="accent4">
-                      <a:shade val="20000"/>
-                      <a:satMod val="245000"/>
-                    </a:schemeClr>
-                  </a:gs>
-                </a:gsLst>
-                <a:lin ang="5400000"/>
-              </a:gradFill>
-              <a:effectLst>
-                <a:glow rad="228600">
-                  <a:schemeClr val="accent4">
-                    <a:satMod val="175000"/>
-                    <a:alpha val="40000"/>
-                  </a:schemeClr>
-                </a:glow>
-                <a:outerShdw blurRad="50800" dist="38100" dir="2700000" algn="tl" rotWithShape="0">
-                  <a:prstClr val="black">
-                    <a:alpha val="40000"/>
-                  </a:prstClr>
-                </a:outerShdw>
-              </a:effectLst>
-            </a:endParaRPr>
           </a:p>
         </p:txBody>
       </p:sp>
@@ -6263,13 +6076,6 @@
   <p:clrMapOvr>
     <a:masterClrMapping/>
   </p:clrMapOvr>
-  <p:timing>
-    <p:tnLst>
-      <p:par>
-        <p:cTn xmlns:p14="http://schemas.microsoft.com/office/powerpoint/2010/main" id="1" dur="indefinite" restart="never" nodeType="tmRoot"/>
-      </p:par>
-    </p:tnLst>
-  </p:timing>
 </p:sld>
 </file>
 
@@ -6344,7 +6150,7 @@
           <a:p>
             <a:pPr algn="ctr"/>
             <a:r>
-              <a:rPr lang="en-US" sz="4000" b="1" dirty="0" smtClean="0">
+              <a:rPr lang="en-US" sz="4000" b="1" dirty="0">
                 <a:solidFill>
                   <a:schemeClr val="bg1"/>
                 </a:solidFill>
@@ -6362,7 +6168,7 @@
           </a:p>
           <a:p>
             <a:pPr algn="ctr"/>
-            <a:endParaRPr lang="en-US" sz="4000" b="1" dirty="0" smtClean="0">
+            <a:endParaRPr lang="en-US" sz="4000" b="1" dirty="0">
               <a:solidFill>
                 <a:schemeClr val="bg1"/>
               </a:solidFill>
@@ -6378,7 +6184,7 @@
           </a:p>
           <a:p>
             <a:pPr algn="ctr"/>
-            <a:endParaRPr lang="en-US" sz="4000" b="1" dirty="0" smtClean="0">
+            <a:endParaRPr lang="en-US" sz="4000" b="1" dirty="0">
               <a:solidFill>
                 <a:schemeClr val="bg1"/>
               </a:solidFill>
@@ -6386,7 +6192,7 @@
           </a:p>
           <a:p>
             <a:pPr algn="ctr"/>
-            <a:endParaRPr lang="en-US" sz="4000" b="1" dirty="0" smtClean="0">
+            <a:endParaRPr lang="en-US" sz="4000" b="1" dirty="0">
               <a:solidFill>
                 <a:schemeClr val="bg1"/>
               </a:solidFill>
@@ -6394,7 +6200,7 @@
           </a:p>
           <a:p>
             <a:pPr algn="ctr"/>
-            <a:endParaRPr lang="en-US" sz="4000" b="1" dirty="0" smtClean="0">
+            <a:endParaRPr lang="en-US" sz="4000" b="1" dirty="0">
               <a:solidFill>
                 <a:schemeClr val="bg1"/>
               </a:solidFill>
@@ -6403,7 +6209,7 @@
           <a:p>
             <a:pPr algn="ctr"/>
             <a:r>
-              <a:rPr lang="en-US" sz="4000" b="1" dirty="0" smtClean="0">
+              <a:rPr lang="en-US" sz="4000" b="1" dirty="0">
                 <a:solidFill>
                   <a:schemeClr val="bg1"/>
                 </a:solidFill>
@@ -6570,13 +6376,6 @@
   <p:clrMapOvr>
     <a:masterClrMapping/>
   </p:clrMapOvr>
-  <p:timing>
-    <p:tnLst>
-      <p:par>
-        <p:cTn xmlns:p14="http://schemas.microsoft.com/office/powerpoint/2010/main" id="1" dur="indefinite" restart="never" nodeType="tmRoot"/>
-      </p:par>
-    </p:tnLst>
-  </p:timing>
 </p:sld>
 </file>
 
@@ -6741,7 +6540,7 @@
           <a:p>
             <a:pPr algn="ctr"/>
             <a:r>
-              <a:rPr lang="en-US" sz="4000" b="1" dirty="0" smtClean="0">
+              <a:rPr lang="en-US" sz="4000" b="1" dirty="0">
                 <a:solidFill>
                   <a:srgbClr val="FFFFFF"/>
                 </a:solidFill>
@@ -6752,7 +6551,7 @@
           <a:p>
             <a:pPr algn="ctr"/>
             <a:r>
-              <a:rPr lang="en-US" sz="4000" b="1" dirty="0" smtClean="0">
+              <a:rPr lang="en-US" sz="4000" b="1" dirty="0">
                 <a:solidFill>
                   <a:srgbClr val="FFFFFF"/>
                 </a:solidFill>
@@ -6763,7 +6562,7 @@
           <a:p>
             <a:pPr algn="ctr"/>
             <a:r>
-              <a:rPr lang="en-US" sz="4000" b="1" dirty="0" smtClean="0">
+              <a:rPr lang="en-US" sz="4000" b="1" dirty="0">
                 <a:solidFill>
                   <a:srgbClr val="FFFFFF"/>
                 </a:solidFill>
@@ -6782,13 +6581,16 @@
           <a:p>
             <a:pPr algn="ctr"/>
             <a:r>
-              <a:rPr lang="en-US" sz="4000" b="1" dirty="0" smtClean="0">
+              <a:rPr lang="en-US" sz="4000" b="1" dirty="0">
                 <a:solidFill>
                   <a:srgbClr val="FFFFFF"/>
                 </a:solidFill>
               </a:rPr>
               <a:t>When you’re at a planet, you choose an alien with the left/right arrows to try to get a coin.</a:t>
             </a:r>
+          </a:p>
+          <a:p>
+            <a:pPr algn="ctr"/>
             <a:endParaRPr lang="en-US" sz="4000" b="1" dirty="0">
               <a:solidFill>
                 <a:srgbClr val="FFFFFF"/>
@@ -6797,7 +6599,7 @@
           </a:p>
           <a:p>
             <a:pPr algn="ctr"/>
-            <a:endParaRPr lang="en-US" sz="4000" b="1" dirty="0" smtClean="0">
+            <a:endParaRPr lang="en-US" sz="4000" b="1" dirty="0">
               <a:solidFill>
                 <a:srgbClr val="FFFFFF"/>
               </a:solidFill>
@@ -6805,15 +6607,7 @@
           </a:p>
           <a:p>
             <a:pPr algn="ctr"/>
-            <a:endParaRPr lang="en-US" sz="4000" b="1" dirty="0" smtClean="0">
-              <a:solidFill>
-                <a:srgbClr val="FFFFFF"/>
-              </a:solidFill>
-            </a:endParaRPr>
-          </a:p>
-          <a:p>
-            <a:pPr algn="ctr"/>
-            <a:endParaRPr lang="en-US" sz="4000" b="1" dirty="0" smtClean="0">
+            <a:endParaRPr lang="en-US" sz="4000" b="1" dirty="0">
               <a:solidFill>
                 <a:srgbClr val="FFFFFF"/>
               </a:solidFill>
@@ -7246,13 +7040,6 @@
   <p:clrMapOvr>
     <a:masterClrMapping/>
   </p:clrMapOvr>
-  <p:timing>
-    <p:tnLst>
-      <p:par>
-        <p:cTn xmlns:p14="http://schemas.microsoft.com/office/powerpoint/2010/main" id="1" dur="indefinite" restart="never" nodeType="tmRoot"/>
-      </p:par>
-    </p:tnLst>
-  </p:timing>
 </p:sld>
 </file>
 
@@ -7357,7 +7144,7 @@
           <a:p>
             <a:pPr algn="ctr"/>
             <a:r>
-              <a:rPr lang="en-US" sz="4000" b="1" dirty="0" smtClean="0">
+              <a:rPr lang="en-US" sz="4000" b="1" dirty="0">
                 <a:solidFill>
                   <a:srgbClr val="FFFFFF"/>
                 </a:solidFill>
@@ -7367,7 +7154,7 @@
           </a:p>
           <a:p>
             <a:pPr algn="ctr"/>
-            <a:endParaRPr lang="en-US" sz="4000" b="1" dirty="0" smtClean="0">
+            <a:endParaRPr lang="en-US" sz="4000" b="1" dirty="0">
               <a:solidFill>
                 <a:srgbClr val="FFFFFF"/>
               </a:solidFill>
@@ -7376,7 +7163,7 @@
           <a:p>
             <a:pPr algn="ctr"/>
             <a:r>
-              <a:rPr lang="en-US" sz="4000" b="1" dirty="0" smtClean="0">
+              <a:rPr lang="en-US" sz="4000" b="1" dirty="0">
                 <a:solidFill>
                   <a:srgbClr val="FFFFFF"/>
                 </a:solidFill>
@@ -7386,11 +7173,11 @@
           </a:p>
           <a:p>
             <a:pPr algn="ctr"/>
-            <a:endParaRPr lang="en-US" sz="4000" b="1" dirty="0" smtClean="0"/>
+            <a:endParaRPr lang="en-US" sz="4000" b="1" dirty="0"/>
           </a:p>
           <a:p>
             <a:pPr algn="ctr"/>
-            <a:endParaRPr lang="en-US" sz="4000" b="1" dirty="0" smtClean="0"/>
+            <a:endParaRPr lang="en-US" sz="4000" b="1" dirty="0"/>
           </a:p>
         </p:txBody>
       </p:sp>
@@ -7612,10 +7399,9 @@
           <a:p>
             <a:pPr algn="ctr"/>
             <a:r>
-              <a:rPr lang="en-US" sz="3600" dirty="0" smtClean="0"/>
+              <a:rPr lang="en-US" sz="3600" dirty="0"/>
               <a:t>?</a:t>
             </a:r>
-            <a:endParaRPr lang="en-US" sz="3600" dirty="0"/>
           </a:p>
         </p:txBody>
       </p:sp>
@@ -7657,10 +7443,9 @@
           <a:p>
             <a:pPr algn="ctr"/>
             <a:r>
-              <a:rPr lang="en-US" sz="3600" dirty="0" smtClean="0"/>
+              <a:rPr lang="en-US" sz="3600" dirty="0"/>
               <a:t>?</a:t>
             </a:r>
-            <a:endParaRPr lang="en-US" sz="3600" dirty="0"/>
           </a:p>
         </p:txBody>
       </p:sp>
@@ -7702,10 +7487,9 @@
           <a:p>
             <a:pPr algn="ctr"/>
             <a:r>
-              <a:rPr lang="en-US" sz="3600" dirty="0" smtClean="0"/>
+              <a:rPr lang="en-US" sz="3600" dirty="0"/>
               <a:t>?</a:t>
             </a:r>
-            <a:endParaRPr lang="en-US" sz="3600" dirty="0"/>
           </a:p>
         </p:txBody>
       </p:sp>
@@ -7747,10 +7531,9 @@
           <a:p>
             <a:pPr algn="ctr"/>
             <a:r>
-              <a:rPr lang="en-US" sz="3600" dirty="0" smtClean="0"/>
+              <a:rPr lang="en-US" sz="3600" dirty="0"/>
               <a:t>?</a:t>
             </a:r>
-            <a:endParaRPr lang="en-US" sz="3600" dirty="0"/>
           </a:p>
         </p:txBody>
       </p:sp>
@@ -7764,13 +7547,6 @@
   <p:clrMapOvr>
     <a:masterClrMapping/>
   </p:clrMapOvr>
-  <p:timing>
-    <p:tnLst>
-      <p:par>
-        <p:cTn xmlns:p14="http://schemas.microsoft.com/office/powerpoint/2010/main" id="1" dur="indefinite" restart="never" nodeType="tmRoot"/>
-      </p:par>
-    </p:tnLst>
-  </p:timing>
 </p:sld>
 </file>
 
@@ -7905,7 +7681,7 @@
           <a:p>
             <a:pPr algn="ctr"/>
             <a:r>
-              <a:rPr lang="en-US" sz="4000" b="1" dirty="0" smtClean="0">
+              <a:rPr lang="en-US" sz="4000" b="1" dirty="0">
                 <a:solidFill>
                   <a:srgbClr val="FFFFFF"/>
                 </a:solidFill>
@@ -7915,11 +7691,11 @@
           </a:p>
           <a:p>
             <a:pPr algn="ctr"/>
-            <a:endParaRPr lang="en-US" sz="4000" b="1" dirty="0" smtClean="0"/>
+            <a:endParaRPr lang="en-US" sz="4000" b="1" dirty="0"/>
           </a:p>
           <a:p>
             <a:pPr algn="ctr"/>
-            <a:endParaRPr lang="en-US" sz="4000" b="1" dirty="0" smtClean="0"/>
+            <a:endParaRPr lang="en-US" sz="4000" b="1" dirty="0"/>
           </a:p>
         </p:txBody>
       </p:sp>
@@ -8022,13 +7798,6 @@
   <p:clrMapOvr>
     <a:masterClrMapping/>
   </p:clrMapOvr>
-  <p:timing>
-    <p:tnLst>
-      <p:par>
-        <p:cTn xmlns:p14="http://schemas.microsoft.com/office/powerpoint/2010/main" id="1" dur="indefinite" restart="never" nodeType="tmRoot"/>
-      </p:par>
-    </p:tnLst>
-  </p:timing>
 </p:sld>
 </file>
 
@@ -8163,7 +7932,7 @@
           <a:p>
             <a:pPr algn="ctr"/>
             <a:r>
-              <a:rPr lang="en-US" sz="4000" b="1" dirty="0" smtClean="0">
+              <a:rPr lang="en-US" sz="4000" b="1" dirty="0">
                 <a:solidFill>
                   <a:srgbClr val="FFFFFF"/>
                 </a:solidFill>
@@ -8171,7 +7940,7 @@
               <a:t>Pay special attention to the color of the portals! The yellow portal </a:t>
             </a:r>
             <a:r>
-              <a:rPr lang="en-US" sz="4000" b="1" i="1" dirty="0" smtClean="0">
+              <a:rPr lang="en-US" sz="4000" b="1" i="1" dirty="0">
                 <a:solidFill>
                   <a:srgbClr val="FFFFFF"/>
                 </a:solidFill>
@@ -8179,7 +7948,7 @@
               <a:t>usually</a:t>
             </a:r>
             <a:r>
-              <a:rPr lang="en-US" sz="4000" b="1" dirty="0" smtClean="0">
+              <a:rPr lang="en-US" sz="4000" b="1" dirty="0">
                 <a:solidFill>
                   <a:srgbClr val="FFFFFF"/>
                 </a:solidFill>
@@ -8187,7 +7956,7 @@
               <a:t> goes to one planet, and the green portal </a:t>
             </a:r>
             <a:r>
-              <a:rPr lang="en-US" sz="4000" b="1" i="1" dirty="0" smtClean="0">
+              <a:rPr lang="en-US" sz="4000" b="1" i="1" dirty="0">
                 <a:solidFill>
                   <a:srgbClr val="FFFFFF"/>
                 </a:solidFill>
@@ -8195,7 +7964,7 @@
               <a:t>usually </a:t>
             </a:r>
             <a:r>
-              <a:rPr lang="en-US" sz="4000" b="1" dirty="0" smtClean="0">
+              <a:rPr lang="en-US" sz="4000" b="1" dirty="0">
                 <a:solidFill>
                   <a:srgbClr val="FFFFFF"/>
                 </a:solidFill>
@@ -8205,11 +7974,11 @@
           </a:p>
           <a:p>
             <a:pPr algn="ctr"/>
-            <a:endParaRPr lang="en-US" sz="4000" b="1" dirty="0" smtClean="0"/>
+            <a:endParaRPr lang="en-US" sz="4000" b="1" dirty="0"/>
           </a:p>
           <a:p>
             <a:pPr algn="ctr"/>
-            <a:endParaRPr lang="en-US" sz="4000" b="1" dirty="0" smtClean="0"/>
+            <a:endParaRPr lang="en-US" sz="4000" b="1" dirty="0"/>
           </a:p>
         </p:txBody>
       </p:sp>
@@ -8252,13 +8021,6 @@
   <p:clrMapOvr>
     <a:masterClrMapping/>
   </p:clrMapOvr>
-  <p:timing>
-    <p:tnLst>
-      <p:par>
-        <p:cTn xmlns:p14="http://schemas.microsoft.com/office/powerpoint/2010/main" id="1" dur="indefinite" restart="never" nodeType="tmRoot"/>
-      </p:par>
-    </p:tnLst>
-  </p:timing>
 </p:sld>
 </file>
 
@@ -8369,59 +8131,6 @@
           </a:prstGeom>
         </p:spPr>
       </p:pic>
-      <p:sp>
-        <p:nvSpPr>
-          <p:cNvPr id="12" name="TextBox 11"/>
-          <p:cNvSpPr txBox="1"/>
-          <p:nvPr/>
-        </p:nvSpPr>
-        <p:spPr>
-          <a:xfrm>
-            <a:off x="232566" y="3182474"/>
-            <a:ext cx="6431764" cy="4401205"/>
-          </a:xfrm>
-          <a:prstGeom prst="rect">
-            <a:avLst/>
-          </a:prstGeom>
-          <a:noFill/>
-        </p:spPr>
-        <p:txBody>
-          <a:bodyPr wrap="square" rtlCol="0">
-            <a:spAutoFit/>
-          </a:bodyPr>
-          <a:lstStyle/>
-          <a:p>
-            <a:pPr algn="ctr"/>
-            <a:r>
-              <a:rPr lang="en-US" sz="4000" b="1" dirty="0" smtClean="0">
-                <a:solidFill>
-                  <a:srgbClr val="FFFFFF"/>
-                </a:solidFill>
-              </a:rPr>
-              <a:t>Try and figure out which portal is most likely to take you to which planet! </a:t>
-            </a:r>
-          </a:p>
-          <a:p>
-            <a:pPr algn="ctr"/>
-            <a:r>
-              <a:rPr lang="en-US" sz="4000" b="1" dirty="0" smtClean="0">
-                <a:solidFill>
-                  <a:srgbClr val="FFFFFF"/>
-                </a:solidFill>
-              </a:rPr>
-              <a:t>That way you can reach the alien of your choice!</a:t>
-            </a:r>
-          </a:p>
-          <a:p>
-            <a:pPr algn="ctr"/>
-            <a:endParaRPr lang="en-US" sz="4000" b="1" dirty="0" smtClean="0"/>
-          </a:p>
-          <a:p>
-            <a:pPr algn="ctr"/>
-            <a:endParaRPr lang="en-US" sz="4000" b="1" dirty="0" smtClean="0"/>
-          </a:p>
-        </p:txBody>
-      </p:sp>
       <p:pic>
         <p:nvPicPr>
           <p:cNvPr id="2" name="Picture 1" descr="background.jpg"/>
@@ -8581,13 +8290,6 @@
   <p:clrMapOvr>
     <a:masterClrMapping/>
   </p:clrMapOvr>
-  <p:timing>
-    <p:tnLst>
-      <p:par>
-        <p:cTn xmlns:p14="http://schemas.microsoft.com/office/powerpoint/2010/main" id="1" dur="indefinite" restart="never" nodeType="tmRoot"/>
-      </p:par>
-    </p:tnLst>
-  </p:timing>
 </p:sld>
 </file>
 
@@ -8712,7 +8414,7 @@
           <a:p>
             <a:pPr algn="ctr"/>
             <a:r>
-              <a:rPr lang="en-US" sz="8000" b="1" cap="all" dirty="0" smtClean="0">
+              <a:rPr lang="en-US" sz="8000" b="1" cap="all" dirty="0">
                 <a:ln w="9000" cmpd="sng">
                   <a:solidFill>
                     <a:schemeClr val="accent4">
@@ -8770,7 +8472,7 @@
           <a:p>
             <a:pPr algn="ctr"/>
             <a:r>
-              <a:rPr lang="en-US" sz="8000" b="1" cap="all" dirty="0" smtClean="0">
+              <a:rPr lang="en-US" sz="8000" b="1" cap="all" dirty="0">
                 <a:ln w="9000" cmpd="sng">
                   <a:solidFill>
                     <a:schemeClr val="accent4">
@@ -9163,13 +8865,6 @@
   <p:clrMapOvr>
     <a:masterClrMapping/>
   </p:clrMapOvr>
-  <p:timing>
-    <p:tnLst>
-      <p:par>
-        <p:cTn xmlns:p14="http://schemas.microsoft.com/office/powerpoint/2010/main" id="1" dur="indefinite" restart="never" nodeType="tmRoot"/>
-      </p:par>
-    </p:tnLst>
-  </p:timing>
 </p:sld>
 </file>
 
